--- a/Diapositivas/Parte 03.Clasificación/03_04_Support_Vector_Classification.pptx
+++ b/Diapositivas/Parte 03.Clasificación/03_04_Support_Vector_Classification.pptx
@@ -5307,7 +5307,7 @@
           <a:p>
             <a:fld id="{6C73E373-4A5A-9F47-B78B-3F6D862D2DA4}" type="datetimeFigureOut">
               <a:rPr lang="es-CO" smtClean="0"/>
-              <a:t>26/06/2023</a:t>
+              <a:t>5/09/2023</a:t>
             </a:fld>
             <a:endParaRPr lang="es-CO"/>
           </a:p>
@@ -5597,7 +5597,7 @@
           <p:cNvPr id="7" name="Imagen 6">
             <a:extLst>
               <a:ext uri="{FF2B5EF4-FFF2-40B4-BE49-F238E27FC236}">
-                <a16:creationId xmlns:a16="http://schemas.microsoft.com/office/drawing/2014/main" xmlns="" id="{36B54177-B7DF-1DD9-8875-D4168F53E154}"/>
+                <a16:creationId xmlns="" xmlns:a16="http://schemas.microsoft.com/office/drawing/2014/main" id="{36B54177-B7DF-1DD9-8875-D4168F53E154}"/>
               </a:ext>
             </a:extLst>
           </p:cNvPr>
@@ -5627,7 +5627,7 @@
           <p:cNvPr id="2" name="Título 1">
             <a:extLst>
               <a:ext uri="{FF2B5EF4-FFF2-40B4-BE49-F238E27FC236}">
-                <a16:creationId xmlns:a16="http://schemas.microsoft.com/office/drawing/2014/main" xmlns="" id="{3029E411-989D-8CFA-0371-904E9B56BB90}"/>
+                <a16:creationId xmlns="" xmlns:a16="http://schemas.microsoft.com/office/drawing/2014/main" id="{3029E411-989D-8CFA-0371-904E9B56BB90}"/>
               </a:ext>
             </a:extLst>
           </p:cNvPr>
@@ -5668,7 +5668,7 @@
           <p:cNvPr id="3" name="Subtítulo 2">
             <a:extLst>
               <a:ext uri="{FF2B5EF4-FFF2-40B4-BE49-F238E27FC236}">
-                <a16:creationId xmlns:a16="http://schemas.microsoft.com/office/drawing/2014/main" xmlns="" id="{68801E2D-CF21-2ADE-8396-CC12B5A246AC}"/>
+                <a16:creationId xmlns="" xmlns:a16="http://schemas.microsoft.com/office/drawing/2014/main" id="{68801E2D-CF21-2ADE-8396-CC12B5A246AC}"/>
               </a:ext>
             </a:extLst>
           </p:cNvPr>
@@ -5742,7 +5742,7 @@
           <p:cNvPr id="4" name="Marcador de fecha 3">
             <a:extLst>
               <a:ext uri="{FF2B5EF4-FFF2-40B4-BE49-F238E27FC236}">
-                <a16:creationId xmlns:a16="http://schemas.microsoft.com/office/drawing/2014/main" xmlns="" id="{C7D9C27E-71A0-A8E6-7D94-D52F81CE5F69}"/>
+                <a16:creationId xmlns="" xmlns:a16="http://schemas.microsoft.com/office/drawing/2014/main" id="{C7D9C27E-71A0-A8E6-7D94-D52F81CE5F69}"/>
               </a:ext>
             </a:extLst>
           </p:cNvPr>
@@ -5769,7 +5769,7 @@
             <a:fld id="{4ED1245C-EDA9-0F49-9277-480AED948C75}" type="datetimeFigureOut">
               <a:rPr lang="es-MX" smtClean="0"/>
               <a:pPr/>
-              <a:t>26/06/2023</a:t>
+              <a:t>05/09/2023</a:t>
             </a:fld>
             <a:endParaRPr lang="es-MX"/>
           </a:p>
@@ -5780,7 +5780,7 @@
           <p:cNvPr id="5" name="Marcador de pie de página 4">
             <a:extLst>
               <a:ext uri="{FF2B5EF4-FFF2-40B4-BE49-F238E27FC236}">
-                <a16:creationId xmlns:a16="http://schemas.microsoft.com/office/drawing/2014/main" xmlns="" id="{4C83CED7-3270-999D-99EC-4B2B5F4289C9}"/>
+                <a16:creationId xmlns="" xmlns:a16="http://schemas.microsoft.com/office/drawing/2014/main" id="{4C83CED7-3270-999D-99EC-4B2B5F4289C9}"/>
               </a:ext>
             </a:extLst>
           </p:cNvPr>
@@ -5813,7 +5813,7 @@
           <p:cNvPr id="6" name="Marcador de número de diapositiva 5">
             <a:extLst>
               <a:ext uri="{FF2B5EF4-FFF2-40B4-BE49-F238E27FC236}">
-                <a16:creationId xmlns:a16="http://schemas.microsoft.com/office/drawing/2014/main" xmlns="" id="{0DC7CE21-D4CA-6449-E0EA-746968CC779A}"/>
+                <a16:creationId xmlns="" xmlns:a16="http://schemas.microsoft.com/office/drawing/2014/main" id="{0DC7CE21-D4CA-6449-E0EA-746968CC779A}"/>
               </a:ext>
             </a:extLst>
           </p:cNvPr>
@@ -5881,7 +5881,7 @@
           <p:cNvPr id="2" name="Título 1">
             <a:extLst>
               <a:ext uri="{FF2B5EF4-FFF2-40B4-BE49-F238E27FC236}">
-                <a16:creationId xmlns:a16="http://schemas.microsoft.com/office/drawing/2014/main" xmlns="" id="{C4018A1D-A95A-249C-60D7-BFEC9560650F}"/>
+                <a16:creationId xmlns="" xmlns:a16="http://schemas.microsoft.com/office/drawing/2014/main" id="{C4018A1D-A95A-249C-60D7-BFEC9560650F}"/>
               </a:ext>
             </a:extLst>
           </p:cNvPr>
@@ -5918,7 +5918,7 @@
           <p:cNvPr id="3" name="Marcador de texto 2">
             <a:extLst>
               <a:ext uri="{FF2B5EF4-FFF2-40B4-BE49-F238E27FC236}">
-                <a16:creationId xmlns:a16="http://schemas.microsoft.com/office/drawing/2014/main" xmlns="" id="{7DA112BB-1B55-D3DA-D7D7-35DE1AC52464}"/>
+                <a16:creationId xmlns="" xmlns:a16="http://schemas.microsoft.com/office/drawing/2014/main" id="{7DA112BB-1B55-D3DA-D7D7-35DE1AC52464}"/>
               </a:ext>
             </a:extLst>
           </p:cNvPr>
@@ -6043,7 +6043,7 @@
           <p:cNvPr id="4" name="Marcador de fecha 3">
             <a:extLst>
               <a:ext uri="{FF2B5EF4-FFF2-40B4-BE49-F238E27FC236}">
-                <a16:creationId xmlns:a16="http://schemas.microsoft.com/office/drawing/2014/main" xmlns="" id="{E844E3D2-E945-19C6-68D7-AA7AC54FF7A6}"/>
+                <a16:creationId xmlns="" xmlns:a16="http://schemas.microsoft.com/office/drawing/2014/main" id="{E844E3D2-E945-19C6-68D7-AA7AC54FF7A6}"/>
               </a:ext>
             </a:extLst>
           </p:cNvPr>
@@ -6061,7 +6061,7 @@
           <a:p>
             <a:fld id="{4ED1245C-EDA9-0F49-9277-480AED948C75}" type="datetimeFigureOut">
               <a:rPr lang="es-MX" smtClean="0"/>
-              <a:t>26/06/2023</a:t>
+              <a:t>05/09/2023</a:t>
             </a:fld>
             <a:endParaRPr lang="es-MX"/>
           </a:p>
@@ -6072,7 +6072,7 @@
           <p:cNvPr id="5" name="Marcador de pie de página 4">
             <a:extLst>
               <a:ext uri="{FF2B5EF4-FFF2-40B4-BE49-F238E27FC236}">
-                <a16:creationId xmlns:a16="http://schemas.microsoft.com/office/drawing/2014/main" xmlns="" id="{56FC48AC-4463-729E-ABA1-FB3D3EFA26E7}"/>
+                <a16:creationId xmlns="" xmlns:a16="http://schemas.microsoft.com/office/drawing/2014/main" id="{56FC48AC-4463-729E-ABA1-FB3D3EFA26E7}"/>
               </a:ext>
             </a:extLst>
           </p:cNvPr>
@@ -6097,7 +6097,7 @@
           <p:cNvPr id="6" name="Marcador de número de diapositiva 5">
             <a:extLst>
               <a:ext uri="{FF2B5EF4-FFF2-40B4-BE49-F238E27FC236}">
-                <a16:creationId xmlns:a16="http://schemas.microsoft.com/office/drawing/2014/main" xmlns="" id="{7FB46B77-03B3-EF69-5002-A7FF12752807}"/>
+                <a16:creationId xmlns="" xmlns:a16="http://schemas.microsoft.com/office/drawing/2014/main" id="{7FB46B77-03B3-EF69-5002-A7FF12752807}"/>
               </a:ext>
             </a:extLst>
           </p:cNvPr>
@@ -6156,7 +6156,7 @@
           <p:cNvPr id="8" name="Imagen 7">
             <a:extLst>
               <a:ext uri="{FF2B5EF4-FFF2-40B4-BE49-F238E27FC236}">
-                <a16:creationId xmlns:a16="http://schemas.microsoft.com/office/drawing/2014/main" xmlns="" id="{FDAF5A4A-1B68-98B0-A191-8BD2A6F09150}"/>
+                <a16:creationId xmlns="" xmlns:a16="http://schemas.microsoft.com/office/drawing/2014/main" id="{FDAF5A4A-1B68-98B0-A191-8BD2A6F09150}"/>
               </a:ext>
             </a:extLst>
           </p:cNvPr>
@@ -6197,7 +6197,7 @@
           <a:p>
             <a:fld id="{8B636DD7-9EC0-2343-87F4-811CC24B63A7}" type="datetimeFigureOut">
               <a:rPr lang="es-MX" smtClean="0"/>
-              <a:t>26/06/2023</a:t>
+              <a:t>05/09/2023</a:t>
             </a:fld>
             <a:endParaRPr lang="es-MX"/>
           </a:p>
@@ -6256,7 +6256,7 @@
     <a:masterClrMapping/>
   </p:clrMapOvr>
   <mc:AlternateContent xmlns:mc="http://schemas.openxmlformats.org/markup-compatibility/2006">
-    <mc:Choice xmlns:p159="http://schemas.microsoft.com/office/powerpoint/2015/09/main" xmlns="" Requires="p159">
+    <mc:Choice xmlns="" xmlns:p159="http://schemas.microsoft.com/office/powerpoint/2015/09/main" Requires="p159">
       <p:transition xmlns:p14="http://schemas.microsoft.com/office/powerpoint/2010/main" spd="slow" p14:dur="2000">
         <p159:morph option="byObject"/>
       </p:transition>
@@ -6292,7 +6292,7 @@
           <p:cNvPr id="7" name="Imagen 6">
             <a:extLst>
               <a:ext uri="{FF2B5EF4-FFF2-40B4-BE49-F238E27FC236}">
-                <a16:creationId xmlns:a16="http://schemas.microsoft.com/office/drawing/2014/main" xmlns="" id="{66AD6CAE-8F01-422E-B0BA-3045B167AEAF}"/>
+                <a16:creationId xmlns="" xmlns:a16="http://schemas.microsoft.com/office/drawing/2014/main" id="{66AD6CAE-8F01-422E-B0BA-3045B167AEAF}"/>
               </a:ext>
             </a:extLst>
           </p:cNvPr>
@@ -6427,7 +6427,7 @@
           <a:p>
             <a:fld id="{8B636DD7-9EC0-2343-87F4-811CC24B63A7}" type="datetimeFigureOut">
               <a:rPr lang="es-MX" smtClean="0"/>
-              <a:t>26/06/2023</a:t>
+              <a:t>05/09/2023</a:t>
             </a:fld>
             <a:endParaRPr lang="es-MX"/>
           </a:p>
@@ -6480,7 +6480,7 @@
           <p:cNvPr id="10" name="Imagen 9">
             <a:extLst>
               <a:ext uri="{FF2B5EF4-FFF2-40B4-BE49-F238E27FC236}">
-                <a16:creationId xmlns:a16="http://schemas.microsoft.com/office/drawing/2014/main" xmlns="" id="{11028E90-7017-3801-0152-2A4D9D428AAF}"/>
+                <a16:creationId xmlns="" xmlns:a16="http://schemas.microsoft.com/office/drawing/2014/main" id="{11028E90-7017-3801-0152-2A4D9D428AAF}"/>
               </a:ext>
             </a:extLst>
           </p:cNvPr>
@@ -6515,7 +6515,7 @@
     <a:masterClrMapping/>
   </p:clrMapOvr>
   <mc:AlternateContent xmlns:mc="http://schemas.openxmlformats.org/markup-compatibility/2006">
-    <mc:Choice xmlns:p159="http://schemas.microsoft.com/office/powerpoint/2015/09/main" xmlns="" Requires="p159">
+    <mc:Choice xmlns="" xmlns:p159="http://schemas.microsoft.com/office/powerpoint/2015/09/main" Requires="p159">
       <p:transition xmlns:p14="http://schemas.microsoft.com/office/powerpoint/2010/main" spd="slow" p14:dur="2000">
         <p159:morph option="byObject"/>
       </p:transition>
@@ -6563,7 +6563,7 @@
           <a:p>
             <a:fld id="{8B636DD7-9EC0-2343-87F4-811CC24B63A7}" type="datetimeFigureOut">
               <a:rPr lang="es-MX" smtClean="0"/>
-              <a:t>26/06/2023</a:t>
+              <a:t>05/09/2023</a:t>
             </a:fld>
             <a:endParaRPr lang="es-MX"/>
           </a:p>
@@ -6616,7 +6616,7 @@
           <p:cNvPr id="10" name="Imagen 9">
             <a:extLst>
               <a:ext uri="{FF2B5EF4-FFF2-40B4-BE49-F238E27FC236}">
-                <a16:creationId xmlns:a16="http://schemas.microsoft.com/office/drawing/2014/main" xmlns="" id="{B4AC21E6-3AB4-AA3E-EED5-BEA73B4160C8}"/>
+                <a16:creationId xmlns="" xmlns:a16="http://schemas.microsoft.com/office/drawing/2014/main" id="{B4AC21E6-3AB4-AA3E-EED5-BEA73B4160C8}"/>
               </a:ext>
             </a:extLst>
           </p:cNvPr>
@@ -6645,7 +6645,7 @@
           <p:cNvPr id="5" name="Título 1">
             <a:extLst>
               <a:ext uri="{FF2B5EF4-FFF2-40B4-BE49-F238E27FC236}">
-                <a16:creationId xmlns:a16="http://schemas.microsoft.com/office/drawing/2014/main" xmlns="" id="{74D66EB4-E928-04A5-17AC-B4C4FAF01B68}"/>
+                <a16:creationId xmlns="" xmlns:a16="http://schemas.microsoft.com/office/drawing/2014/main" id="{74D66EB4-E928-04A5-17AC-B4C4FAF01B68}"/>
               </a:ext>
             </a:extLst>
           </p:cNvPr>
@@ -6688,7 +6688,7 @@
     <a:masterClrMapping/>
   </p:clrMapOvr>
   <mc:AlternateContent xmlns:mc="http://schemas.openxmlformats.org/markup-compatibility/2006">
-    <mc:Choice xmlns:p159="http://schemas.microsoft.com/office/powerpoint/2015/09/main" xmlns="" Requires="p159">
+    <mc:Choice xmlns="" xmlns:p159="http://schemas.microsoft.com/office/powerpoint/2015/09/main" Requires="p159">
       <p:transition xmlns:p14="http://schemas.microsoft.com/office/powerpoint/2010/main" spd="slow" p14:dur="2000">
         <p159:morph option="byObject"/>
       </p:transition>
@@ -6736,7 +6736,7 @@
           <a:p>
             <a:fld id="{8B636DD7-9EC0-2343-87F4-811CC24B63A7}" type="datetimeFigureOut">
               <a:rPr lang="es-MX" smtClean="0"/>
-              <a:t>26/06/2023</a:t>
+              <a:t>05/09/2023</a:t>
             </a:fld>
             <a:endParaRPr lang="es-MX"/>
           </a:p>
@@ -6789,7 +6789,7 @@
           <p:cNvPr id="5" name="Imagen 4">
             <a:extLst>
               <a:ext uri="{FF2B5EF4-FFF2-40B4-BE49-F238E27FC236}">
-                <a16:creationId xmlns:a16="http://schemas.microsoft.com/office/drawing/2014/main" xmlns="" id="{CFD1EF8D-21B9-3C6D-CAEB-887F2C4B10FA}"/>
+                <a16:creationId xmlns="" xmlns:a16="http://schemas.microsoft.com/office/drawing/2014/main" id="{CFD1EF8D-21B9-3C6D-CAEB-887F2C4B10FA}"/>
               </a:ext>
             </a:extLst>
           </p:cNvPr>
@@ -6818,7 +6818,7 @@
           <p:cNvPr id="6" name="Título 1">
             <a:extLst>
               <a:ext uri="{FF2B5EF4-FFF2-40B4-BE49-F238E27FC236}">
-                <a16:creationId xmlns:a16="http://schemas.microsoft.com/office/drawing/2014/main" xmlns="" id="{BDA5DC36-6B14-E774-2FD3-FD49BCF6F742}"/>
+                <a16:creationId xmlns="" xmlns:a16="http://schemas.microsoft.com/office/drawing/2014/main" id="{BDA5DC36-6B14-E774-2FD3-FD49BCF6F742}"/>
               </a:ext>
             </a:extLst>
           </p:cNvPr>
@@ -6865,7 +6865,7 @@
     <a:masterClrMapping/>
   </p:clrMapOvr>
   <mc:AlternateContent xmlns:mc="http://schemas.openxmlformats.org/markup-compatibility/2006">
-    <mc:Choice xmlns:p159="http://schemas.microsoft.com/office/powerpoint/2015/09/main" xmlns="" Requires="p159">
+    <mc:Choice xmlns="" xmlns:p159="http://schemas.microsoft.com/office/powerpoint/2015/09/main" Requires="p159">
       <p:transition xmlns:p14="http://schemas.microsoft.com/office/powerpoint/2010/main" spd="slow" p14:dur="2000">
         <p159:morph option="byObject"/>
       </p:transition>
@@ -6901,7 +6901,7 @@
           <p:cNvPr id="7" name="Imagen 6">
             <a:extLst>
               <a:ext uri="{FF2B5EF4-FFF2-40B4-BE49-F238E27FC236}">
-                <a16:creationId xmlns:a16="http://schemas.microsoft.com/office/drawing/2014/main" xmlns="" id="{7E36882C-E608-66B8-8A42-26DD6B67138C}"/>
+                <a16:creationId xmlns="" xmlns:a16="http://schemas.microsoft.com/office/drawing/2014/main" id="{7E36882C-E608-66B8-8A42-26DD6B67138C}"/>
               </a:ext>
             </a:extLst>
           </p:cNvPr>
@@ -6931,7 +6931,7 @@
           <p:cNvPr id="2" name="Título 1">
             <a:extLst>
               <a:ext uri="{FF2B5EF4-FFF2-40B4-BE49-F238E27FC236}">
-                <a16:creationId xmlns:a16="http://schemas.microsoft.com/office/drawing/2014/main" xmlns="" id="{A319E2F3-3E92-F0B7-289B-ECE5123D9814}"/>
+                <a16:creationId xmlns="" xmlns:a16="http://schemas.microsoft.com/office/drawing/2014/main" id="{A319E2F3-3E92-F0B7-289B-ECE5123D9814}"/>
               </a:ext>
             </a:extLst>
           </p:cNvPr>
@@ -6967,7 +6967,7 @@
           <p:cNvPr id="3" name="Marcador de contenido 2">
             <a:extLst>
               <a:ext uri="{FF2B5EF4-FFF2-40B4-BE49-F238E27FC236}">
-                <a16:creationId xmlns:a16="http://schemas.microsoft.com/office/drawing/2014/main" xmlns="" id="{917E9B9D-3312-7614-E939-8BBA89447845}"/>
+                <a16:creationId xmlns="" xmlns:a16="http://schemas.microsoft.com/office/drawing/2014/main" id="{917E9B9D-3312-7614-E939-8BBA89447845}"/>
               </a:ext>
             </a:extLst>
           </p:cNvPr>
@@ -7024,7 +7024,7 @@
           <p:cNvPr id="4" name="Marcador de fecha 3">
             <a:extLst>
               <a:ext uri="{FF2B5EF4-FFF2-40B4-BE49-F238E27FC236}">
-                <a16:creationId xmlns:a16="http://schemas.microsoft.com/office/drawing/2014/main" xmlns="" id="{9561BD46-81DF-C525-880C-B60F549977C9}"/>
+                <a16:creationId xmlns="" xmlns:a16="http://schemas.microsoft.com/office/drawing/2014/main" id="{9561BD46-81DF-C525-880C-B60F549977C9}"/>
               </a:ext>
             </a:extLst>
           </p:cNvPr>
@@ -7042,7 +7042,7 @@
           <a:p>
             <a:fld id="{4ED1245C-EDA9-0F49-9277-480AED948C75}" type="datetimeFigureOut">
               <a:rPr lang="es-MX" smtClean="0"/>
-              <a:t>26/06/2023</a:t>
+              <a:t>05/09/2023</a:t>
             </a:fld>
             <a:endParaRPr lang="es-MX"/>
           </a:p>
@@ -7053,7 +7053,7 @@
           <p:cNvPr id="5" name="Marcador de pie de página 4">
             <a:extLst>
               <a:ext uri="{FF2B5EF4-FFF2-40B4-BE49-F238E27FC236}">
-                <a16:creationId xmlns:a16="http://schemas.microsoft.com/office/drawing/2014/main" xmlns="" id="{B48141E5-38F4-5870-C465-013B716EE584}"/>
+                <a16:creationId xmlns="" xmlns:a16="http://schemas.microsoft.com/office/drawing/2014/main" id="{B48141E5-38F4-5870-C465-013B716EE584}"/>
               </a:ext>
             </a:extLst>
           </p:cNvPr>
@@ -7078,7 +7078,7 @@
           <p:cNvPr id="6" name="Marcador de número de diapositiva 5">
             <a:extLst>
               <a:ext uri="{FF2B5EF4-FFF2-40B4-BE49-F238E27FC236}">
-                <a16:creationId xmlns:a16="http://schemas.microsoft.com/office/drawing/2014/main" xmlns="" id="{6D3EFEE5-200A-753E-B6FD-9311CB9BAAFF}"/>
+                <a16:creationId xmlns="" xmlns:a16="http://schemas.microsoft.com/office/drawing/2014/main" id="{6D3EFEE5-200A-753E-B6FD-9311CB9BAAFF}"/>
               </a:ext>
             </a:extLst>
           </p:cNvPr>
@@ -7137,7 +7137,7 @@
           <p:cNvPr id="6" name="Imagen 5">
             <a:extLst>
               <a:ext uri="{FF2B5EF4-FFF2-40B4-BE49-F238E27FC236}">
-                <a16:creationId xmlns:a16="http://schemas.microsoft.com/office/drawing/2014/main" xmlns="" id="{85B76E4B-994E-FE80-0264-CD7AEB4265E3}"/>
+                <a16:creationId xmlns="" xmlns:a16="http://schemas.microsoft.com/office/drawing/2014/main" id="{85B76E4B-994E-FE80-0264-CD7AEB4265E3}"/>
               </a:ext>
             </a:extLst>
           </p:cNvPr>
@@ -7167,7 +7167,7 @@
           <p:cNvPr id="2" name="Título 1">
             <a:extLst>
               <a:ext uri="{FF2B5EF4-FFF2-40B4-BE49-F238E27FC236}">
-                <a16:creationId xmlns:a16="http://schemas.microsoft.com/office/drawing/2014/main" xmlns="" id="{F58AE75E-BF38-0C63-F39F-95D19FDCC331}"/>
+                <a16:creationId xmlns="" xmlns:a16="http://schemas.microsoft.com/office/drawing/2014/main" id="{F58AE75E-BF38-0C63-F39F-95D19FDCC331}"/>
               </a:ext>
             </a:extLst>
           </p:cNvPr>
@@ -7199,7 +7199,7 @@
           <p:cNvPr id="3" name="Marcador de fecha 2">
             <a:extLst>
               <a:ext uri="{FF2B5EF4-FFF2-40B4-BE49-F238E27FC236}">
-                <a16:creationId xmlns:a16="http://schemas.microsoft.com/office/drawing/2014/main" xmlns="" id="{C0849DC6-910E-1212-87E9-5D91EDF04321}"/>
+                <a16:creationId xmlns="" xmlns:a16="http://schemas.microsoft.com/office/drawing/2014/main" id="{C0849DC6-910E-1212-87E9-5D91EDF04321}"/>
               </a:ext>
             </a:extLst>
           </p:cNvPr>
@@ -7217,7 +7217,7 @@
           <a:p>
             <a:fld id="{4ED1245C-EDA9-0F49-9277-480AED948C75}" type="datetimeFigureOut">
               <a:rPr lang="es-MX" smtClean="0"/>
-              <a:t>26/06/2023</a:t>
+              <a:t>05/09/2023</a:t>
             </a:fld>
             <a:endParaRPr lang="es-MX"/>
           </a:p>
@@ -7228,7 +7228,7 @@
           <p:cNvPr id="4" name="Marcador de pie de página 3">
             <a:extLst>
               <a:ext uri="{FF2B5EF4-FFF2-40B4-BE49-F238E27FC236}">
-                <a16:creationId xmlns:a16="http://schemas.microsoft.com/office/drawing/2014/main" xmlns="" id="{6AC465A2-B629-9EFC-663F-3F807AD61A95}"/>
+                <a16:creationId xmlns="" xmlns:a16="http://schemas.microsoft.com/office/drawing/2014/main" id="{6AC465A2-B629-9EFC-663F-3F807AD61A95}"/>
               </a:ext>
             </a:extLst>
           </p:cNvPr>
@@ -7253,7 +7253,7 @@
           <p:cNvPr id="5" name="Marcador de número de diapositiva 4">
             <a:extLst>
               <a:ext uri="{FF2B5EF4-FFF2-40B4-BE49-F238E27FC236}">
-                <a16:creationId xmlns:a16="http://schemas.microsoft.com/office/drawing/2014/main" xmlns="" id="{7149893F-AB4A-EA91-D670-6E8677716A99}"/>
+                <a16:creationId xmlns="" xmlns:a16="http://schemas.microsoft.com/office/drawing/2014/main" id="{7149893F-AB4A-EA91-D670-6E8677716A99}"/>
               </a:ext>
             </a:extLst>
           </p:cNvPr>
@@ -7312,7 +7312,7 @@
           <p:cNvPr id="2" name="Marcador de fecha 1">
             <a:extLst>
               <a:ext uri="{FF2B5EF4-FFF2-40B4-BE49-F238E27FC236}">
-                <a16:creationId xmlns:a16="http://schemas.microsoft.com/office/drawing/2014/main" xmlns="" id="{3D8DCD30-7661-12EB-6BF3-7D6889A8D7E7}"/>
+                <a16:creationId xmlns="" xmlns:a16="http://schemas.microsoft.com/office/drawing/2014/main" id="{3D8DCD30-7661-12EB-6BF3-7D6889A8D7E7}"/>
               </a:ext>
             </a:extLst>
           </p:cNvPr>
@@ -7330,7 +7330,7 @@
           <a:p>
             <a:fld id="{4ED1245C-EDA9-0F49-9277-480AED948C75}" type="datetimeFigureOut">
               <a:rPr lang="es-MX" smtClean="0"/>
-              <a:t>26/06/2023</a:t>
+              <a:t>05/09/2023</a:t>
             </a:fld>
             <a:endParaRPr lang="es-MX"/>
           </a:p>
@@ -7341,7 +7341,7 @@
           <p:cNvPr id="3" name="Marcador de pie de página 2">
             <a:extLst>
               <a:ext uri="{FF2B5EF4-FFF2-40B4-BE49-F238E27FC236}">
-                <a16:creationId xmlns:a16="http://schemas.microsoft.com/office/drawing/2014/main" xmlns="" id="{BCE383F0-BCD5-365A-30DE-4A37BDDD44D8}"/>
+                <a16:creationId xmlns="" xmlns:a16="http://schemas.microsoft.com/office/drawing/2014/main" id="{BCE383F0-BCD5-365A-30DE-4A37BDDD44D8}"/>
               </a:ext>
             </a:extLst>
           </p:cNvPr>
@@ -7366,7 +7366,7 @@
           <p:cNvPr id="4" name="Marcador de número de diapositiva 3">
             <a:extLst>
               <a:ext uri="{FF2B5EF4-FFF2-40B4-BE49-F238E27FC236}">
-                <a16:creationId xmlns:a16="http://schemas.microsoft.com/office/drawing/2014/main" xmlns="" id="{3062DF9B-A73E-907D-5239-FDDD3489CEF2}"/>
+                <a16:creationId xmlns="" xmlns:a16="http://schemas.microsoft.com/office/drawing/2014/main" id="{3062DF9B-A73E-907D-5239-FDDD3489CEF2}"/>
               </a:ext>
             </a:extLst>
           </p:cNvPr>
@@ -7430,7 +7430,7 @@
           <p:cNvPr id="2" name="Marcador de título 1">
             <a:extLst>
               <a:ext uri="{FF2B5EF4-FFF2-40B4-BE49-F238E27FC236}">
-                <a16:creationId xmlns:a16="http://schemas.microsoft.com/office/drawing/2014/main" xmlns="" id="{33F02CBE-7D56-9524-5799-3D4C40AEE1EF}"/>
+                <a16:creationId xmlns="" xmlns:a16="http://schemas.microsoft.com/office/drawing/2014/main" id="{33F02CBE-7D56-9524-5799-3D4C40AEE1EF}"/>
               </a:ext>
             </a:extLst>
           </p:cNvPr>
@@ -7468,7 +7468,7 @@
           <p:cNvPr id="3" name="Marcador de texto 2">
             <a:extLst>
               <a:ext uri="{FF2B5EF4-FFF2-40B4-BE49-F238E27FC236}">
-                <a16:creationId xmlns:a16="http://schemas.microsoft.com/office/drawing/2014/main" xmlns="" id="{A9053B17-0988-26D7-1416-D61D74DBE858}"/>
+                <a16:creationId xmlns="" xmlns:a16="http://schemas.microsoft.com/office/drawing/2014/main" id="{A9053B17-0988-26D7-1416-D61D74DBE858}"/>
               </a:ext>
             </a:extLst>
           </p:cNvPr>
@@ -7535,7 +7535,7 @@
           <p:cNvPr id="4" name="Marcador de fecha 3">
             <a:extLst>
               <a:ext uri="{FF2B5EF4-FFF2-40B4-BE49-F238E27FC236}">
-                <a16:creationId xmlns:a16="http://schemas.microsoft.com/office/drawing/2014/main" xmlns="" id="{3CFF87E4-E3EB-6979-BA49-637760E7BBC3}"/>
+                <a16:creationId xmlns="" xmlns:a16="http://schemas.microsoft.com/office/drawing/2014/main" id="{3CFF87E4-E3EB-6979-BA49-637760E7BBC3}"/>
               </a:ext>
             </a:extLst>
           </p:cNvPr>
@@ -7575,7 +7575,7 @@
             <a:fld id="{4ED1245C-EDA9-0F49-9277-480AED948C75}" type="datetimeFigureOut">
               <a:rPr lang="es-MX" smtClean="0"/>
               <a:pPr/>
-              <a:t>26/06/2023</a:t>
+              <a:t>05/09/2023</a:t>
             </a:fld>
             <a:endParaRPr lang="es-MX"/>
           </a:p>
@@ -7586,7 +7586,7 @@
           <p:cNvPr id="5" name="Marcador de pie de página 4">
             <a:extLst>
               <a:ext uri="{FF2B5EF4-FFF2-40B4-BE49-F238E27FC236}">
-                <a16:creationId xmlns:a16="http://schemas.microsoft.com/office/drawing/2014/main" xmlns="" id="{6143CCC9-3353-516C-3DED-6C05973EB5B8}"/>
+                <a16:creationId xmlns="" xmlns:a16="http://schemas.microsoft.com/office/drawing/2014/main" id="{6143CCC9-3353-516C-3DED-6C05973EB5B8}"/>
               </a:ext>
             </a:extLst>
           </p:cNvPr>
@@ -7632,7 +7632,7 @@
           <p:cNvPr id="6" name="Marcador de número de diapositiva 5">
             <a:extLst>
               <a:ext uri="{FF2B5EF4-FFF2-40B4-BE49-F238E27FC236}">
-                <a16:creationId xmlns:a16="http://schemas.microsoft.com/office/drawing/2014/main" xmlns="" id="{751E5BC1-66C6-23A3-45FC-6B13BC2B4A2D}"/>
+                <a16:creationId xmlns="" xmlns:a16="http://schemas.microsoft.com/office/drawing/2014/main" id="{751E5BC1-66C6-23A3-45FC-6B13BC2B4A2D}"/>
               </a:ext>
             </a:extLst>
           </p:cNvPr>
@@ -8002,7 +8002,7 @@
           <p:cNvPr id="3" name="Imagen 2">
             <a:extLst>
               <a:ext uri="{FF2B5EF4-FFF2-40B4-BE49-F238E27FC236}">
-                <a16:creationId xmlns:a16="http://schemas.microsoft.com/office/drawing/2014/main" xmlns="" id="{B7DCC1AE-CBB9-4F76-A8E3-CF73CD4FFFAE}"/>
+                <a16:creationId xmlns="" xmlns:a16="http://schemas.microsoft.com/office/drawing/2014/main" id="{B7DCC1AE-CBB9-4F76-A8E3-CF73CD4FFFAE}"/>
               </a:ext>
             </a:extLst>
           </p:cNvPr>
@@ -8031,7 +8031,7 @@
           <p:cNvPr id="15" name="Rectángulo 14">
             <a:extLst>
               <a:ext uri="{FF2B5EF4-FFF2-40B4-BE49-F238E27FC236}">
-                <a16:creationId xmlns:a16="http://schemas.microsoft.com/office/drawing/2014/main" xmlns="" id="{B0381972-7714-18E2-8087-DC6EBF8C2989}"/>
+                <a16:creationId xmlns="" xmlns:a16="http://schemas.microsoft.com/office/drawing/2014/main" id="{B0381972-7714-18E2-8087-DC6EBF8C2989}"/>
               </a:ext>
             </a:extLst>
           </p:cNvPr>
@@ -8150,7 +8150,7 @@
           <p:cNvPr id="3" name="Imagen 4" descr="Patrón de fondo&#10;&#10;Descripción generada automáticamente">
             <a:extLst>
               <a:ext uri="{FF2B5EF4-FFF2-40B4-BE49-F238E27FC236}">
-                <a16:creationId xmlns:a16="http://schemas.microsoft.com/office/drawing/2014/main" xmlns="" id="{97C89B70-EF02-7CD2-8BA6-A8D10423ABE3}"/>
+                <a16:creationId xmlns="" xmlns:a16="http://schemas.microsoft.com/office/drawing/2014/main" id="{97C89B70-EF02-7CD2-8BA6-A8D10423ABE3}"/>
               </a:ext>
             </a:extLst>
           </p:cNvPr>
@@ -8180,7 +8180,7 @@
           <p:cNvPr id="5" name="Elipse 4">
             <a:extLst>
               <a:ext uri="{FF2B5EF4-FFF2-40B4-BE49-F238E27FC236}">
-                <a16:creationId xmlns:a16="http://schemas.microsoft.com/office/drawing/2014/main" xmlns="" id="{0F317218-5C09-7C8D-95AF-3CF18A8ADE15}"/>
+                <a16:creationId xmlns="" xmlns:a16="http://schemas.microsoft.com/office/drawing/2014/main" id="{0F317218-5C09-7C8D-95AF-3CF18A8ADE15}"/>
               </a:ext>
             </a:extLst>
           </p:cNvPr>
@@ -8335,7 +8335,7 @@
           <p:cNvPr id="2" name="Imagen 1">
             <a:extLst>
               <a:ext uri="{FF2B5EF4-FFF2-40B4-BE49-F238E27FC236}">
-                <a16:creationId xmlns:a16="http://schemas.microsoft.com/office/drawing/2014/main" xmlns="" id="{85016D0E-40C7-21A4-2C35-1FA39C6BAAFB}"/>
+                <a16:creationId xmlns="" xmlns:a16="http://schemas.microsoft.com/office/drawing/2014/main" id="{85016D0E-40C7-21A4-2C35-1FA39C6BAAFB}"/>
               </a:ext>
             </a:extLst>
           </p:cNvPr>
@@ -8365,7 +8365,7 @@
           <p:cNvPr id="7" name="Título 1">
             <a:extLst>
               <a:ext uri="{FF2B5EF4-FFF2-40B4-BE49-F238E27FC236}">
-                <a16:creationId xmlns:a16="http://schemas.microsoft.com/office/drawing/2014/main" xmlns="" id="{1D6ADDBA-23A0-3F0C-A751-4D27B1186164}"/>
+                <a16:creationId xmlns="" xmlns:a16="http://schemas.microsoft.com/office/drawing/2014/main" id="{1D6ADDBA-23A0-3F0C-A751-4D27B1186164}"/>
               </a:ext>
             </a:extLst>
           </p:cNvPr>
@@ -8432,7 +8432,7 @@
           <p:cNvPr id="9" name="Grupo 8">
             <a:extLst>
               <a:ext uri="{FF2B5EF4-FFF2-40B4-BE49-F238E27FC236}">
-                <a16:creationId xmlns:a16="http://schemas.microsoft.com/office/drawing/2014/main" xmlns="" id="{40ED7E97-64A8-D976-0F29-1DEF8801A401}"/>
+                <a16:creationId xmlns="" xmlns:a16="http://schemas.microsoft.com/office/drawing/2014/main" id="{40ED7E97-64A8-D976-0F29-1DEF8801A401}"/>
               </a:ext>
             </a:extLst>
           </p:cNvPr>
@@ -8452,7 +8452,7 @@
             <p:cNvPr id="10" name="Título 1">
               <a:extLst>
                 <a:ext uri="{FF2B5EF4-FFF2-40B4-BE49-F238E27FC236}">
-                  <a16:creationId xmlns:a16="http://schemas.microsoft.com/office/drawing/2014/main" xmlns="" id="{57AE4584-CD8A-2B27-4640-94E79BA9B4CA}"/>
+                  <a16:creationId xmlns="" xmlns:a16="http://schemas.microsoft.com/office/drawing/2014/main" id="{57AE4584-CD8A-2B27-4640-94E79BA9B4CA}"/>
                 </a:ext>
               </a:extLst>
             </p:cNvPr>
@@ -8530,7 +8530,7 @@
             <p:cNvPr id="11" name="Conector recto 10">
               <a:extLst>
                 <a:ext uri="{FF2B5EF4-FFF2-40B4-BE49-F238E27FC236}">
-                  <a16:creationId xmlns:a16="http://schemas.microsoft.com/office/drawing/2014/main" xmlns="" id="{9C4F81BE-0190-2D19-F467-34129404F5B8}"/>
+                  <a16:creationId xmlns="" xmlns:a16="http://schemas.microsoft.com/office/drawing/2014/main" id="{9C4F81BE-0190-2D19-F467-34129404F5B8}"/>
                 </a:ext>
               </a:extLst>
             </p:cNvPr>
@@ -8614,7 +8614,7 @@
           <p:cNvPr id="20" name="Rectángulo redondeado 19">
             <a:extLst>
               <a:ext uri="{FF2B5EF4-FFF2-40B4-BE49-F238E27FC236}">
-                <a16:creationId xmlns:a16="http://schemas.microsoft.com/office/drawing/2014/main" xmlns="" id="{BF09CAA8-8053-E0A6-DC26-426D1F02D061}"/>
+                <a16:creationId xmlns="" xmlns:a16="http://schemas.microsoft.com/office/drawing/2014/main" id="{BF09CAA8-8053-E0A6-DC26-426D1F02D061}"/>
               </a:ext>
             </a:extLst>
           </p:cNvPr>
@@ -8677,7 +8677,7 @@
           <p:cNvPr id="16" name="Título 1">
             <a:extLst>
               <a:ext uri="{FF2B5EF4-FFF2-40B4-BE49-F238E27FC236}">
-                <a16:creationId xmlns:a16="http://schemas.microsoft.com/office/drawing/2014/main" xmlns="" id="{D5FD1066-7FA1-9BF9-22F0-F52B6DDCD8D0}"/>
+                <a16:creationId xmlns="" xmlns:a16="http://schemas.microsoft.com/office/drawing/2014/main" id="{D5FD1066-7FA1-9BF9-22F0-F52B6DDCD8D0}"/>
               </a:ext>
             </a:extLst>
           </p:cNvPr>
@@ -8749,7 +8749,7 @@
           <p:cNvPr id="17" name="Subtítulo 2">
             <a:extLst>
               <a:ext uri="{FF2B5EF4-FFF2-40B4-BE49-F238E27FC236}">
-                <a16:creationId xmlns:a16="http://schemas.microsoft.com/office/drawing/2014/main" xmlns="" id="{3DFC87B0-799A-C4EE-D680-F89FA1274BED}"/>
+                <a16:creationId xmlns="" xmlns:a16="http://schemas.microsoft.com/office/drawing/2014/main" id="{3DFC87B0-799A-C4EE-D680-F89FA1274BED}"/>
               </a:ext>
             </a:extLst>
           </p:cNvPr>
@@ -8927,7 +8927,7 @@
     <a:masterClrMapping/>
   </p:clrMapOvr>
   <mc:AlternateContent xmlns:mc="http://schemas.openxmlformats.org/markup-compatibility/2006">
-    <mc:Choice xmlns:p159="http://schemas.microsoft.com/office/powerpoint/2015/09/main" xmlns="" Requires="p159">
+    <mc:Choice xmlns="" xmlns:p159="http://schemas.microsoft.com/office/powerpoint/2015/09/main" Requires="p159">
       <p:transition xmlns:p14="http://schemas.microsoft.com/office/powerpoint/2010/main" spd="slow" p14:dur="2000">
         <p159:morph option="byObject"/>
       </p:transition>
@@ -8938,6 +8938,13 @@
       </p:transition>
     </mc:Fallback>
   </mc:AlternateContent>
+  <p:timing>
+    <p:tnLst>
+      <p:par>
+        <p:cTn id="1" dur="indefinite" restart="never" nodeType="tmRoot"/>
+      </p:par>
+    </p:tnLst>
+  </p:timing>
 </p:sld>
 </file>
 
@@ -8963,7 +8970,7 @@
           <p:cNvPr id="20" name="Rectángulo redondeado 19">
             <a:extLst>
               <a:ext uri="{FF2B5EF4-FFF2-40B4-BE49-F238E27FC236}">
-                <a16:creationId xmlns:a16="http://schemas.microsoft.com/office/drawing/2014/main" xmlns="" id="{BF09CAA8-8053-E0A6-DC26-426D1F02D061}"/>
+                <a16:creationId xmlns="" xmlns:a16="http://schemas.microsoft.com/office/drawing/2014/main" id="{BF09CAA8-8053-E0A6-DC26-426D1F02D061}"/>
               </a:ext>
             </a:extLst>
           </p:cNvPr>
@@ -9026,7 +9033,7 @@
           <p:cNvPr id="16" name="Título 1">
             <a:extLst>
               <a:ext uri="{FF2B5EF4-FFF2-40B4-BE49-F238E27FC236}">
-                <a16:creationId xmlns:a16="http://schemas.microsoft.com/office/drawing/2014/main" xmlns="" id="{D5FD1066-7FA1-9BF9-22F0-F52B6DDCD8D0}"/>
+                <a16:creationId xmlns="" xmlns:a16="http://schemas.microsoft.com/office/drawing/2014/main" id="{D5FD1066-7FA1-9BF9-22F0-F52B6DDCD8D0}"/>
               </a:ext>
             </a:extLst>
           </p:cNvPr>
@@ -9098,7 +9105,7 @@
           <p:cNvPr id="17" name="Subtítulo 2">
             <a:extLst>
               <a:ext uri="{FF2B5EF4-FFF2-40B4-BE49-F238E27FC236}">
-                <a16:creationId xmlns:a16="http://schemas.microsoft.com/office/drawing/2014/main" xmlns="" id="{3DFC87B0-799A-C4EE-D680-F89FA1274BED}"/>
+                <a16:creationId xmlns="" xmlns:a16="http://schemas.microsoft.com/office/drawing/2014/main" id="{3DFC87B0-799A-C4EE-D680-F89FA1274BED}"/>
               </a:ext>
             </a:extLst>
           </p:cNvPr>
@@ -9276,7 +9283,7 @@
     <a:masterClrMapping/>
   </p:clrMapOvr>
   <mc:AlternateContent xmlns:mc="http://schemas.openxmlformats.org/markup-compatibility/2006">
-    <mc:Choice xmlns:p159="http://schemas.microsoft.com/office/powerpoint/2015/09/main" xmlns="" Requires="p159">
+    <mc:Choice xmlns="" xmlns:p159="http://schemas.microsoft.com/office/powerpoint/2015/09/main" Requires="p159">
       <p:transition xmlns:p14="http://schemas.microsoft.com/office/powerpoint/2010/main" spd="slow" p14:dur="2000">
         <p159:morph option="byObject"/>
       </p:transition>
@@ -9287,6 +9294,13 @@
       </p:transition>
     </mc:Fallback>
   </mc:AlternateContent>
+  <p:timing>
+    <p:tnLst>
+      <p:par>
+        <p:cTn id="1" dur="indefinite" restart="never" nodeType="tmRoot"/>
+      </p:par>
+    </p:tnLst>
+  </p:timing>
 </p:sld>
 </file>
 
@@ -9312,7 +9326,7 @@
           <p:cNvPr id="20" name="Rectángulo redondeado 19">
             <a:extLst>
               <a:ext uri="{FF2B5EF4-FFF2-40B4-BE49-F238E27FC236}">
-                <a16:creationId xmlns:a16="http://schemas.microsoft.com/office/drawing/2014/main" xmlns="" id="{BF09CAA8-8053-E0A6-DC26-426D1F02D061}"/>
+                <a16:creationId xmlns="" xmlns:a16="http://schemas.microsoft.com/office/drawing/2014/main" id="{BF09CAA8-8053-E0A6-DC26-426D1F02D061}"/>
               </a:ext>
             </a:extLst>
           </p:cNvPr>
@@ -9375,7 +9389,7 @@
           <p:cNvPr id="16" name="Título 1">
             <a:extLst>
               <a:ext uri="{FF2B5EF4-FFF2-40B4-BE49-F238E27FC236}">
-                <a16:creationId xmlns:a16="http://schemas.microsoft.com/office/drawing/2014/main" xmlns="" id="{D5FD1066-7FA1-9BF9-22F0-F52B6DDCD8D0}"/>
+                <a16:creationId xmlns="" xmlns:a16="http://schemas.microsoft.com/office/drawing/2014/main" id="{D5FD1066-7FA1-9BF9-22F0-F52B6DDCD8D0}"/>
               </a:ext>
             </a:extLst>
           </p:cNvPr>
@@ -9447,7 +9461,7 @@
           <p:cNvPr id="17" name="Subtítulo 2">
             <a:extLst>
               <a:ext uri="{FF2B5EF4-FFF2-40B4-BE49-F238E27FC236}">
-                <a16:creationId xmlns:a16="http://schemas.microsoft.com/office/drawing/2014/main" xmlns="" id="{3DFC87B0-799A-C4EE-D680-F89FA1274BED}"/>
+                <a16:creationId xmlns="" xmlns:a16="http://schemas.microsoft.com/office/drawing/2014/main" id="{3DFC87B0-799A-C4EE-D680-F89FA1274BED}"/>
               </a:ext>
             </a:extLst>
           </p:cNvPr>
@@ -9625,7 +9639,7 @@
     <a:masterClrMapping/>
   </p:clrMapOvr>
   <mc:AlternateContent xmlns:mc="http://schemas.openxmlformats.org/markup-compatibility/2006">
-    <mc:Choice xmlns:p159="http://schemas.microsoft.com/office/powerpoint/2015/09/main" xmlns="" Requires="p159">
+    <mc:Choice xmlns="" xmlns:p159="http://schemas.microsoft.com/office/powerpoint/2015/09/main" Requires="p159">
       <p:transition xmlns:p14="http://schemas.microsoft.com/office/powerpoint/2010/main" spd="slow" p14:dur="2000">
         <p159:morph option="byObject"/>
       </p:transition>
@@ -10237,79 +10251,20 @@
 </file>
 
 <file path=customXml/item1.xml><?xml version="1.0" encoding="utf-8"?>
-<p:properties xmlns:p="http://schemas.microsoft.com/office/2006/metadata/properties" xmlns:xsi="http://www.w3.org/2001/XMLSchema-instance" xmlns:pc="http://schemas.microsoft.com/office/infopath/2007/PartnerControls">
-  <documentManagement>
-    <TaxCatchAll xmlns="0d112806-a571-4b5c-9687-83175e2be7e0">
-      <Value>100</Value>
-      <Value>410</Value>
-      <Value>3</Value>
-      <Value>2</Value>
-      <Value>54</Value>
-      <Value>85</Value>
-    </TaxCatchAll>
-    <jf7e3681a28b49cbb02ac7c0053f9030 xmlns="0d112806-a571-4b5c-9687-83175e2be7e0">
-      <Terms xmlns="http://schemas.microsoft.com/office/infopath/2007/PartnerControls">
-        <TermInfo xmlns="http://schemas.microsoft.com/office/infopath/2007/PartnerControls">
-          <TermName xmlns="http://schemas.microsoft.com/office/infopath/2007/PartnerControls">Artefactos de marca</TermName>
-          <TermId xmlns="http://schemas.microsoft.com/office/infopath/2007/PartnerControls">8ee79862-260e-4ece-b336-79e88acc770f</TermId>
-        </TermInfo>
-      </Terms>
-    </jf7e3681a28b49cbb02ac7c0053f9030>
-    <EstatusVigenciaRetencion xmlns="0d112806-a571-4b5c-9687-83175e2be7e0">En proceso</EstatusVigenciaRetencion>
-    <BanderaAviso xmlns="0d112806-a571-4b5c-9687-83175e2be7e0">0</BanderaAviso>
-    <p7c0553556804494a200f658a7be40bb xmlns="0d112806-a571-4b5c-9687-83175e2be7e0">
-      <Terms xmlns="http://schemas.microsoft.com/office/infopath/2007/PartnerControls"/>
-    </p7c0553556804494a200f658a7be40bb>
-    <p99903d2540a45ee9a3299a0b877a2fa xmlns="0d112806-a571-4b5c-9687-83175e2be7e0">
-      <Terms xmlns="http://schemas.microsoft.com/office/infopath/2007/PartnerControls">
-        <TermInfo xmlns="http://schemas.microsoft.com/office/infopath/2007/PartnerControls">
-          <TermName xmlns="http://schemas.microsoft.com/office/infopath/2007/PartnerControls">Uso interno</TermName>
-          <TermId xmlns="http://schemas.microsoft.com/office/infopath/2007/PartnerControls">394084ff-5794-49bc-be44-73be0f39b062</TermId>
-        </TermInfo>
-      </Terms>
-    </p99903d2540a45ee9a3299a0b877a2fa>
-    <h4dfef7ba72949018326fb9ce4d0a291 xmlns="0d112806-a571-4b5c-9687-83175e2be7e0">
-      <Terms xmlns="http://schemas.microsoft.com/office/infopath/2007/PartnerControls">
-        <TermInfo xmlns="http://schemas.microsoft.com/office/infopath/2007/PartnerControls">
-          <TermName xmlns="http://schemas.microsoft.com/office/infopath/2007/PartnerControls">Plantilla</TermName>
-          <TermId xmlns="http://schemas.microsoft.com/office/infopath/2007/PartnerControls">d5e1061d-919e-4442-88e7-3049796b4315</TermId>
-        </TermInfo>
-      </Terms>
-    </h4dfef7ba72949018326fb9ce4d0a291>
-    <VersionDocumento xmlns="0d112806-a571-4b5c-9687-83175e2be7e0">1</VersionDocumento>
-    <PeriodoVigenciaOp xmlns="0d112806-a571-4b5c-9687-83175e2be7e0">5 años</PeriodoVigenciaOp>
-    <Acciones xmlns="0d112806-a571-4b5c-9687-83175e2be7e0" xsi:nil="true"/>
-    <ebe43492e85446a78a91ba8fc80b6dc0 xmlns="0d112806-a571-4b5c-9687-83175e2be7e0">
-      <Terms xmlns="http://schemas.microsoft.com/office/infopath/2007/PartnerControls">
-        <TermInfo xmlns="http://schemas.microsoft.com/office/infopath/2007/PartnerControls">
-          <TermName xmlns="http://schemas.microsoft.com/office/infopath/2007/PartnerControls">Marketing</TermName>
-          <TermId xmlns="http://schemas.microsoft.com/office/infopath/2007/PartnerControls">9df7ab70-40b0-4076-8e0b-a73a90c2278a</TermId>
-        </TermInfo>
-      </Terms>
-    </ebe43492e85446a78a91ba8fc80b6dc0>
-    <FechaUltimaActualizacion xmlns="0d112806-a571-4b5c-9687-83175e2be7e0">2023-04-25T05:00:00+00:00</FechaUltimaActualizacion>
-    <j14b7e14421c46c7bd9164aa7bc27f64 xmlns="0d112806-a571-4b5c-9687-83175e2be7e0">
-      <Terms xmlns="http://schemas.microsoft.com/office/infopath/2007/PartnerControls">
-        <TermInfo xmlns="http://schemas.microsoft.com/office/infopath/2007/PartnerControls">
-          <TermName xmlns="http://schemas.microsoft.com/office/infopath/2007/PartnerControls">Corporativo</TermName>
-          <TermId xmlns="http://schemas.microsoft.com/office/infopath/2007/PartnerControls">71edeffe-accb-475b-a642-bfb9a76fd90b</TermId>
-        </TermInfo>
-      </Terms>
-    </j14b7e14421c46c7bd9164aa7bc27f64>
-    <Título_x0020__x0028_CentralAxity_x0029_ xmlns="0d112806-a571-4b5c-9687-83175e2be7e0">Plantilla PowerPoint Corporativa</Título_x0020__x0028_CentralAxity_x0029_>
-    <h5ed8971cb164a0da78e87f7bb125ff3 xmlns="0d112806-a571-4b5c-9687-83175e2be7e0">
-      <Terms xmlns="http://schemas.microsoft.com/office/infopath/2007/PartnerControls">
-        <TermInfo xmlns="http://schemas.microsoft.com/office/infopath/2007/PartnerControls">
-          <TermName xmlns="http://schemas.microsoft.com/office/infopath/2007/PartnerControls">sonia.reyes@axity.com</TermName>
-          <TermId xmlns="http://schemas.microsoft.com/office/infopath/2007/PartnerControls">5ef0832a-0176-4c98-9fa8-63ba5e52a41a</TermId>
-        </TermInfo>
-      </Terms>
-    </h5ed8971cb164a0da78e87f7bb125ff3>
-  </documentManagement>
-</p:properties>
+<?mso-contentType ?>
+<FormTemplates xmlns="http://schemas.microsoft.com/sharepoint/v3/contenttype/forms">
+  <Display>DocumentLibraryForm</Display>
+  <Edit>DocumentLibraryForm</Edit>
+  <New>DocumentLibraryForm</New>
+</FormTemplates>
 </file>
 
 <file path=customXml/item2.xml><?xml version="1.0" encoding="utf-8"?>
+<?mso-contentType ?>
+<spe:Receivers xmlns:spe="http://schemas.microsoft.com/sharepoint/events"/>
+</file>
+
+<file path=customXml/item3.xml><?xml version="1.0" encoding="utf-8"?>
 <ct:contentTypeSchema xmlns:ct="http://schemas.microsoft.com/office/2006/metadata/contentType" xmlns:ma="http://schemas.microsoft.com/office/2006/metadata/properties/metaAttributes" ct:_="" ma:_="" ma:contentTypeName="Documento CentralAxity" ma:contentTypeID="0x0101005A854A2E6B3FC44BBB7F26F86BC45764002E846109D8A79B4CB1EC976CD11B6E35" ma:contentTypeVersion="50" ma:contentTypeDescription="Documento incorporado a las directivas de la CentralAxity" ma:contentTypeScope="" ma:versionID="597f588e411d17887b088d4f21d28ad0">
   <xsd:schema xmlns:xsd="http://www.w3.org/2001/XMLSchema" xmlns:xs="http://www.w3.org/2001/XMLSchema" xmlns:p="http://schemas.microsoft.com/office/2006/metadata/properties" xmlns:ns1="http://schemas.microsoft.com/sharepoint/v3" xmlns:ns2="0d112806-a571-4b5c-9687-83175e2be7e0" xmlns:ns3="5715b14d-6155-4883-b773-4a6f0b526cee" xmlns:ns4="494b7d94-68f9-41b0-9fd8-f8ea6ae98d38" targetNamespace="http://schemas.microsoft.com/office/2006/metadata/properties" ma:root="true" ma:fieldsID="02c9543a257ef598f71b0847a18c2884" ns1:_="" ns2:_="" ns3:_="" ns4:_="">
     <xsd:import namespace="http://schemas.microsoft.com/sharepoint/v3"/>
@@ -10640,40 +10595,96 @@
 </ct:contentTypeSchema>
 </file>
 
-<file path=customXml/item3.xml><?xml version="1.0" encoding="utf-8"?>
-<?mso-contentType ?>
-<spe:Receivers xmlns:spe="http://schemas.microsoft.com/sharepoint/events"/>
-</file>
-
 <file path=customXml/item4.xml><?xml version="1.0" encoding="utf-8"?>
-<?mso-contentType ?>
-<FormTemplates xmlns="http://schemas.microsoft.com/sharepoint/v3/contenttype/forms">
-  <Display>DocumentLibraryForm</Display>
-  <Edit>DocumentLibraryForm</Edit>
-  <New>DocumentLibraryForm</New>
-</FormTemplates>
+<p:properties xmlns:p="http://schemas.microsoft.com/office/2006/metadata/properties" xmlns:xsi="http://www.w3.org/2001/XMLSchema-instance" xmlns:pc="http://schemas.microsoft.com/office/infopath/2007/PartnerControls">
+  <documentManagement>
+    <TaxCatchAll xmlns="0d112806-a571-4b5c-9687-83175e2be7e0">
+      <Value>100</Value>
+      <Value>410</Value>
+      <Value>3</Value>
+      <Value>2</Value>
+      <Value>54</Value>
+      <Value>85</Value>
+    </TaxCatchAll>
+    <jf7e3681a28b49cbb02ac7c0053f9030 xmlns="0d112806-a571-4b5c-9687-83175e2be7e0">
+      <Terms xmlns="http://schemas.microsoft.com/office/infopath/2007/PartnerControls">
+        <TermInfo xmlns="http://schemas.microsoft.com/office/infopath/2007/PartnerControls">
+          <TermName xmlns="http://schemas.microsoft.com/office/infopath/2007/PartnerControls">Artefactos de marca</TermName>
+          <TermId xmlns="http://schemas.microsoft.com/office/infopath/2007/PartnerControls">8ee79862-260e-4ece-b336-79e88acc770f</TermId>
+        </TermInfo>
+      </Terms>
+    </jf7e3681a28b49cbb02ac7c0053f9030>
+    <EstatusVigenciaRetencion xmlns="0d112806-a571-4b5c-9687-83175e2be7e0">En proceso</EstatusVigenciaRetencion>
+    <BanderaAviso xmlns="0d112806-a571-4b5c-9687-83175e2be7e0">0</BanderaAviso>
+    <p7c0553556804494a200f658a7be40bb xmlns="0d112806-a571-4b5c-9687-83175e2be7e0">
+      <Terms xmlns="http://schemas.microsoft.com/office/infopath/2007/PartnerControls"/>
+    </p7c0553556804494a200f658a7be40bb>
+    <p99903d2540a45ee9a3299a0b877a2fa xmlns="0d112806-a571-4b5c-9687-83175e2be7e0">
+      <Terms xmlns="http://schemas.microsoft.com/office/infopath/2007/PartnerControls">
+        <TermInfo xmlns="http://schemas.microsoft.com/office/infopath/2007/PartnerControls">
+          <TermName xmlns="http://schemas.microsoft.com/office/infopath/2007/PartnerControls">Uso interno</TermName>
+          <TermId xmlns="http://schemas.microsoft.com/office/infopath/2007/PartnerControls">394084ff-5794-49bc-be44-73be0f39b062</TermId>
+        </TermInfo>
+      </Terms>
+    </p99903d2540a45ee9a3299a0b877a2fa>
+    <h4dfef7ba72949018326fb9ce4d0a291 xmlns="0d112806-a571-4b5c-9687-83175e2be7e0">
+      <Terms xmlns="http://schemas.microsoft.com/office/infopath/2007/PartnerControls">
+        <TermInfo xmlns="http://schemas.microsoft.com/office/infopath/2007/PartnerControls">
+          <TermName xmlns="http://schemas.microsoft.com/office/infopath/2007/PartnerControls">Plantilla</TermName>
+          <TermId xmlns="http://schemas.microsoft.com/office/infopath/2007/PartnerControls">d5e1061d-919e-4442-88e7-3049796b4315</TermId>
+        </TermInfo>
+      </Terms>
+    </h4dfef7ba72949018326fb9ce4d0a291>
+    <VersionDocumento xmlns="0d112806-a571-4b5c-9687-83175e2be7e0">1</VersionDocumento>
+    <PeriodoVigenciaOp xmlns="0d112806-a571-4b5c-9687-83175e2be7e0">5 años</PeriodoVigenciaOp>
+    <Acciones xmlns="0d112806-a571-4b5c-9687-83175e2be7e0" xsi:nil="true"/>
+    <ebe43492e85446a78a91ba8fc80b6dc0 xmlns="0d112806-a571-4b5c-9687-83175e2be7e0">
+      <Terms xmlns="http://schemas.microsoft.com/office/infopath/2007/PartnerControls">
+        <TermInfo xmlns="http://schemas.microsoft.com/office/infopath/2007/PartnerControls">
+          <TermName xmlns="http://schemas.microsoft.com/office/infopath/2007/PartnerControls">Marketing</TermName>
+          <TermId xmlns="http://schemas.microsoft.com/office/infopath/2007/PartnerControls">9df7ab70-40b0-4076-8e0b-a73a90c2278a</TermId>
+        </TermInfo>
+      </Terms>
+    </ebe43492e85446a78a91ba8fc80b6dc0>
+    <FechaUltimaActualizacion xmlns="0d112806-a571-4b5c-9687-83175e2be7e0">2023-04-25T05:00:00+00:00</FechaUltimaActualizacion>
+    <j14b7e14421c46c7bd9164aa7bc27f64 xmlns="0d112806-a571-4b5c-9687-83175e2be7e0">
+      <Terms xmlns="http://schemas.microsoft.com/office/infopath/2007/PartnerControls">
+        <TermInfo xmlns="http://schemas.microsoft.com/office/infopath/2007/PartnerControls">
+          <TermName xmlns="http://schemas.microsoft.com/office/infopath/2007/PartnerControls">Corporativo</TermName>
+          <TermId xmlns="http://schemas.microsoft.com/office/infopath/2007/PartnerControls">71edeffe-accb-475b-a642-bfb9a76fd90b</TermId>
+        </TermInfo>
+      </Terms>
+    </j14b7e14421c46c7bd9164aa7bc27f64>
+    <Título_x0020__x0028_CentralAxity_x0029_ xmlns="0d112806-a571-4b5c-9687-83175e2be7e0">Plantilla PowerPoint Corporativa</Título_x0020__x0028_CentralAxity_x0029_>
+    <h5ed8971cb164a0da78e87f7bb125ff3 xmlns="0d112806-a571-4b5c-9687-83175e2be7e0">
+      <Terms xmlns="http://schemas.microsoft.com/office/infopath/2007/PartnerControls">
+        <TermInfo xmlns="http://schemas.microsoft.com/office/infopath/2007/PartnerControls">
+          <TermName xmlns="http://schemas.microsoft.com/office/infopath/2007/PartnerControls">sonia.reyes@axity.com</TermName>
+          <TermId xmlns="http://schemas.microsoft.com/office/infopath/2007/PartnerControls">5ef0832a-0176-4c98-9fa8-63ba5e52a41a</TermId>
+        </TermInfo>
+      </Terms>
+    </h5ed8971cb164a0da78e87f7bb125ff3>
+  </documentManagement>
+</p:properties>
 </file>
 
 <file path=customXml/itemProps1.xml><?xml version="1.0" encoding="utf-8"?>
-<ds:datastoreItem xmlns:ds="http://schemas.openxmlformats.org/officeDocument/2006/customXml" ds:itemID="{2D0DF8DB-B03C-4353-B44A-DA8E261EF087}">
+<ds:datastoreItem xmlns:ds="http://schemas.openxmlformats.org/officeDocument/2006/customXml" ds:itemID="{E35C8FFE-5946-45D2-8509-5F55C5B9ED1B}">
   <ds:schemaRefs>
-    <ds:schemaRef ds:uri="http://www.w3.org/XML/1998/namespace"/>
-    <ds:schemaRef ds:uri="5715b14d-6155-4883-b773-4a6f0b526cee"/>
-    <ds:schemaRef ds:uri="494b7d94-68f9-41b0-9fd8-f8ea6ae98d38"/>
-    <ds:schemaRef ds:uri="http://schemas.microsoft.com/office/2006/metadata/properties"/>
-    <ds:schemaRef ds:uri="http://schemas.microsoft.com/office/infopath/2007/PartnerControls"/>
-    <ds:schemaRef ds:uri="http://purl.org/dc/terms/"/>
-    <ds:schemaRef ds:uri="0d112806-a571-4b5c-9687-83175e2be7e0"/>
-    <ds:schemaRef ds:uri="http://schemas.openxmlformats.org/package/2006/metadata/core-properties"/>
-    <ds:schemaRef ds:uri="http://schemas.microsoft.com/office/2006/documentManagement/types"/>
-    <ds:schemaRef ds:uri="http://schemas.microsoft.com/sharepoint/v3"/>
-    <ds:schemaRef ds:uri="http://purl.org/dc/dcmitype/"/>
-    <ds:schemaRef ds:uri="http://purl.org/dc/elements/1.1/"/>
+    <ds:schemaRef ds:uri="http://schemas.microsoft.com/sharepoint/v3/contenttype/forms"/>
   </ds:schemaRefs>
 </ds:datastoreItem>
 </file>
 
 <file path=customXml/itemProps2.xml><?xml version="1.0" encoding="utf-8"?>
+<ds:datastoreItem xmlns:ds="http://schemas.openxmlformats.org/officeDocument/2006/customXml" ds:itemID="{4715E428-4D5D-44BE-8CDF-D0767275E30E}">
+  <ds:schemaRefs>
+    <ds:schemaRef ds:uri="http://schemas.microsoft.com/sharepoint/events"/>
+  </ds:schemaRefs>
+</ds:datastoreItem>
+</file>
+
+<file path=customXml/itemProps3.xml><?xml version="1.0" encoding="utf-8"?>
 <ds:datastoreItem xmlns:ds="http://schemas.openxmlformats.org/officeDocument/2006/customXml" ds:itemID="{F691990F-56CB-48C0-A899-B2AAEA1FE2B5}">
   <ds:schemaRefs>
     <ds:schemaRef ds:uri="http://schemas.microsoft.com/office/2006/metadata/contentType"/>
@@ -10694,18 +10705,21 @@
 </ds:datastoreItem>
 </file>
 
-<file path=customXml/itemProps3.xml><?xml version="1.0" encoding="utf-8"?>
-<ds:datastoreItem xmlns:ds="http://schemas.openxmlformats.org/officeDocument/2006/customXml" ds:itemID="{4715E428-4D5D-44BE-8CDF-D0767275E30E}">
+<file path=customXml/itemProps4.xml><?xml version="1.0" encoding="utf-8"?>
+<ds:datastoreItem xmlns:ds="http://schemas.openxmlformats.org/officeDocument/2006/customXml" ds:itemID="{2D0DF8DB-B03C-4353-B44A-DA8E261EF087}">
   <ds:schemaRefs>
-    <ds:schemaRef ds:uri="http://schemas.microsoft.com/sharepoint/events"/>
-  </ds:schemaRefs>
-</ds:datastoreItem>
-</file>
-
-<file path=customXml/itemProps4.xml><?xml version="1.0" encoding="utf-8"?>
-<ds:datastoreItem xmlns:ds="http://schemas.openxmlformats.org/officeDocument/2006/customXml" ds:itemID="{E35C8FFE-5946-45D2-8509-5F55C5B9ED1B}">
-  <ds:schemaRefs>
-    <ds:schemaRef ds:uri="http://schemas.microsoft.com/sharepoint/v3/contenttype/forms"/>
+    <ds:schemaRef ds:uri="http://www.w3.org/XML/1998/namespace"/>
+    <ds:schemaRef ds:uri="5715b14d-6155-4883-b773-4a6f0b526cee"/>
+    <ds:schemaRef ds:uri="494b7d94-68f9-41b0-9fd8-f8ea6ae98d38"/>
+    <ds:schemaRef ds:uri="http://schemas.microsoft.com/office/2006/metadata/properties"/>
+    <ds:schemaRef ds:uri="http://schemas.microsoft.com/office/infopath/2007/PartnerControls"/>
+    <ds:schemaRef ds:uri="http://purl.org/dc/terms/"/>
+    <ds:schemaRef ds:uri="0d112806-a571-4b5c-9687-83175e2be7e0"/>
+    <ds:schemaRef ds:uri="http://schemas.openxmlformats.org/package/2006/metadata/core-properties"/>
+    <ds:schemaRef ds:uri="http://schemas.microsoft.com/office/2006/documentManagement/types"/>
+    <ds:schemaRef ds:uri="http://schemas.microsoft.com/sharepoint/v3"/>
+    <ds:schemaRef ds:uri="http://purl.org/dc/dcmitype/"/>
+    <ds:schemaRef ds:uri="http://purl.org/dc/elements/1.1/"/>
   </ds:schemaRefs>
 </ds:datastoreItem>
 </file>